--- a/slides/Pythonlearn-07-PygameKeyboardAndMouse.pptx
+++ b/slides/Pythonlearn-07-PygameKeyboardAndMouse.pptx
@@ -4603,7 +4603,7 @@
                   <a:schemeClr val="bg1"/>
                 </a:solidFill>
               </a:rPr>
-              <a:t>By the end of next class, we will try to complete a game that looks like this:</a:t>
+              <a:t>We will try to make some changes to the game of “Bubble Pop”, which looks like this:</a:t>
             </a:r>
           </a:p>
         </p:txBody>
